--- a/etc/데이터분석_경진대회_데이터 세트_설명.pptx
+++ b/etc/데이터분석_경진대회_데이터 세트_설명.pptx
@@ -1924,7 +1924,7 @@
           </a:ln>
           <a:extLst>
             <a:ext uri="{C572A759-6A51-4108-AA02-DFA0A04FC94B}">
-              <ma14:wrappingTextBoxFlag xmlns="" xmlns:m="http://schemas.openxmlformats.org/officeDocument/2006/math" xmlns:a14="http://schemas.microsoft.com/office/drawing/2010/main" xmlns:ma14="http://schemas.microsoft.com/office/mac/drawingml/2011/main" val="1"/>
+              <ma14:wrappingTextBoxFlag xmlns:ma14="http://schemas.microsoft.com/office/mac/drawingml/2011/main" xmlns:a14="http://schemas.microsoft.com/office/drawing/2010/main" xmlns:m="http://schemas.openxmlformats.org/officeDocument/2006/math" xmlns="" val="1"/>
             </a:ext>
           </a:extLst>
         </p:spPr>
@@ -2014,7 +2014,7 @@
           </a:ln>
           <a:extLst>
             <a:ext uri="{C572A759-6A51-4108-AA02-DFA0A04FC94B}">
-              <ma14:wrappingTextBoxFlag xmlns="" xmlns:m="http://schemas.openxmlformats.org/officeDocument/2006/math" xmlns:a14="http://schemas.microsoft.com/office/drawing/2010/main" xmlns:ma14="http://schemas.microsoft.com/office/mac/drawingml/2011/main" val="1"/>
+              <ma14:wrappingTextBoxFlag xmlns:ma14="http://schemas.microsoft.com/office/mac/drawingml/2011/main" xmlns:a14="http://schemas.microsoft.com/office/drawing/2010/main" xmlns:m="http://schemas.openxmlformats.org/officeDocument/2006/math" xmlns="" val="1"/>
             </a:ext>
           </a:extLst>
         </p:spPr>
@@ -2277,29 +2277,7 @@
                   </a:schemeClr>
                 </a:solidFill>
               </a:rPr>
-              <a:t>2022. 09. </a:t>
-            </a:r>
-            <a:r>
-              <a:rPr lang="en-US" altLang="ko-KR" sz="2000" dirty="0" smtClean="0">
-                <a:solidFill>
-                  <a:schemeClr val="tx1">
-                    <a:lumMod val="65000"/>
-                    <a:lumOff val="35000"/>
-                  </a:schemeClr>
-                </a:solidFill>
-              </a:rPr>
-              <a:t>30</a:t>
-            </a:r>
-            <a:r>
-              <a:rPr lang="en-US" altLang="ko-KR" sz="2000" dirty="0" smtClean="0">
-                <a:solidFill>
-                  <a:schemeClr val="tx1">
-                    <a:lumMod val="65000"/>
-                    <a:lumOff val="35000"/>
-                  </a:schemeClr>
-                </a:solidFill>
-              </a:rPr>
-              <a:t>. </a:t>
+              <a:t>2022. 09. 30. </a:t>
             </a:r>
             <a:r>
               <a:rPr lang="en-US" altLang="ko-KR" sz="2000" dirty="0">
@@ -2951,14 +2929,7 @@
                 <a:latin typeface="맑은 고딕" panose="020B0503020000020004" pitchFamily="50" charset="-127"/>
                 <a:sym typeface="Helvetica Neue"/>
               </a:rPr>
-              <a:t>Jupyter</a:t>
-            </a:r>
-            <a:r>
-              <a:rPr lang="en-US" altLang="ko-KR" sz="1200" dirty="0" err="1" smtClean="0">
-                <a:latin typeface="맑은 고딕" panose="020B0503020000020004" pitchFamily="50" charset="-127"/>
-                <a:sym typeface="Helvetica Neue"/>
-              </a:rPr>
-              <a:t>lab</a:t>
+              <a:t>Jupyterlab</a:t>
             </a:r>
             <a:r>
               <a:rPr lang="en-US" altLang="ko-KR" sz="1200" dirty="0" smtClean="0">
@@ -3238,10 +3209,6 @@
               </a:rPr>
               <a:t>.)</a:t>
             </a:r>
-            <a:endParaRPr lang="en-US" altLang="ko-KR" sz="1200" dirty="0" smtClean="0">
-              <a:latin typeface="맑은 고딕" panose="020B0503020000020004" pitchFamily="50" charset="-127"/>
-              <a:sym typeface="Helvetica Neue"/>
-            </a:endParaRPr>
           </a:p>
         </p:txBody>
       </p:sp>
@@ -3496,75 +3463,64 @@
                 <a:latin typeface="맑은 고딕" panose="020B0503020000020004" pitchFamily="50" charset="-127"/>
                 <a:sym typeface="Helvetica Neue"/>
               </a:rPr>
-              <a:t>D</a:t>
+              <a:t>DataFrame</a:t>
+            </a:r>
+            <a:r>
+              <a:rPr lang="en-US" altLang="ko-KR" sz="1200" dirty="0" smtClean="0">
+                <a:latin typeface="맑은 고딕" panose="020B0503020000020004" pitchFamily="50" charset="-127"/>
+                <a:sym typeface="Helvetica Neue"/>
+              </a:rPr>
+              <a:t> </a:t>
+            </a:r>
+            <a:r>
+              <a:rPr lang="ko-KR" altLang="en-US" sz="1200" dirty="0" smtClean="0">
+                <a:latin typeface="맑은 고딕" panose="020B0503020000020004" pitchFamily="50" charset="-127"/>
+                <a:sym typeface="Helvetica Neue"/>
+              </a:rPr>
+              <a:t>객체가 </a:t>
             </a:r>
             <a:r>
               <a:rPr lang="en-US" altLang="ko-KR" sz="1200" dirty="0" err="1" smtClean="0">
                 <a:latin typeface="맑은 고딕" panose="020B0503020000020004" pitchFamily="50" charset="-127"/>
                 <a:sym typeface="Helvetica Neue"/>
               </a:rPr>
-              <a:t>ataFrame</a:t>
+              <a:t>df_test_x_current</a:t>
+            </a:r>
+            <a:r>
+              <a:rPr lang="ko-KR" altLang="en-US" sz="1200" dirty="0" smtClean="0">
+                <a:latin typeface="맑은 고딕" panose="020B0503020000020004" pitchFamily="50" charset="-127"/>
+                <a:sym typeface="Helvetica Neue"/>
+              </a:rPr>
+              <a:t>일 경우 </a:t>
+            </a:r>
+            <a:r>
+              <a:rPr lang="en-US" altLang="ko-KR" sz="1200" dirty="0" err="1" smtClean="0">
+                <a:latin typeface="맑은 고딕" panose="020B0503020000020004" pitchFamily="50" charset="-127"/>
+                <a:sym typeface="Helvetica Neue"/>
+              </a:rPr>
+              <a:t>df_test_x_current.to_csv</a:t>
             </a:r>
             <a:r>
               <a:rPr lang="en-US" altLang="ko-KR" sz="1200" dirty="0" smtClean="0">
                 <a:latin typeface="맑은 고딕" panose="020B0503020000020004" pitchFamily="50" charset="-127"/>
                 <a:sym typeface="Helvetica Neue"/>
               </a:rPr>
-              <a:t> </a:t>
+              <a:t>(‘./test_y.csv’)</a:t>
             </a:r>
             <a:r>
               <a:rPr lang="ko-KR" altLang="en-US" sz="1200" dirty="0" smtClean="0">
                 <a:latin typeface="맑은 고딕" panose="020B0503020000020004" pitchFamily="50" charset="-127"/>
                 <a:sym typeface="Helvetica Neue"/>
               </a:rPr>
-              <a:t>객체가 </a:t>
-            </a:r>
-            <a:r>
-              <a:rPr lang="en-US" altLang="ko-KR" sz="1200" dirty="0" err="1" smtClean="0">
+              <a:t>로 저장함</a:t>
+            </a:r>
+            <a:r>
+              <a:rPr lang="en-US" altLang="ko-KR" sz="1200" dirty="0" smtClean="0">
                 <a:latin typeface="맑은 고딕" panose="020B0503020000020004" pitchFamily="50" charset="-127"/>
                 <a:sym typeface="Helvetica Neue"/>
               </a:rPr>
-              <a:t>df_test_x_current</a:t>
-            </a:r>
-            <a:r>
-              <a:rPr lang="ko-KR" altLang="en-US" sz="1200" dirty="0" smtClean="0">
-                <a:latin typeface="맑은 고딕" panose="020B0503020000020004" pitchFamily="50" charset="-127"/>
-                <a:sym typeface="Helvetica Neue"/>
-              </a:rPr>
-              <a:t>일 경우 </a:t>
-            </a:r>
-            <a:r>
-              <a:rPr lang="en-US" altLang="ko-KR" sz="1200" dirty="0" err="1" smtClean="0">
-                <a:latin typeface="맑은 고딕" panose="020B0503020000020004" pitchFamily="50" charset="-127"/>
-                <a:sym typeface="Helvetica Neue"/>
-              </a:rPr>
-              <a:t>df_test_x_current.to_csv</a:t>
-            </a:r>
-            <a:r>
-              <a:rPr lang="en-US" altLang="ko-KR" sz="1200" dirty="0" smtClean="0">
-                <a:latin typeface="맑은 고딕" panose="020B0503020000020004" pitchFamily="50" charset="-127"/>
-                <a:sym typeface="Helvetica Neue"/>
-              </a:rPr>
-              <a:t>(‘./test_y.csv’)</a:t>
-            </a:r>
-            <a:r>
-              <a:rPr lang="ko-KR" altLang="en-US" sz="1200" dirty="0" smtClean="0">
-                <a:latin typeface="맑은 고딕" panose="020B0503020000020004" pitchFamily="50" charset="-127"/>
-                <a:sym typeface="Helvetica Neue"/>
-              </a:rPr>
-              <a:t>로 저장함</a:t>
-            </a:r>
-            <a:r>
-              <a:rPr lang="en-US" altLang="ko-KR" sz="1200" dirty="0" smtClean="0">
-                <a:latin typeface="맑은 고딕" panose="020B0503020000020004" pitchFamily="50" charset="-127"/>
-                <a:sym typeface="Helvetica Neue"/>
-              </a:rPr>
               <a:t>.</a:t>
             </a:r>
-            <a:endParaRPr lang="en-US" altLang="ko-KR" sz="1200" dirty="0" smtClean="0">
-              <a:latin typeface="맑은 고딕" panose="020B0503020000020004" pitchFamily="50" charset="-127"/>
-              <a:sym typeface="Helvetica Neue"/>
-            </a:endParaRPr>
           </a:p>
         </p:txBody>
       </p:sp>
@@ -4150,13 +4106,7 @@
               <a:rPr lang="ko-KR" altLang="en-US" sz="1600" b="1" dirty="0" smtClean="0">
                 <a:sym typeface="Helvetica Neue"/>
               </a:rPr>
-              <a:t>평가 </a:t>
-            </a:r>
-            <a:r>
-              <a:rPr lang="ko-KR" altLang="en-US" sz="1600" b="1" dirty="0" smtClean="0">
-                <a:sym typeface="Helvetica Neue"/>
-              </a:rPr>
-              <a:t>방식</a:t>
+              <a:t>평가 방식</a:t>
             </a:r>
             <a:endParaRPr lang="ko-KR" altLang="en-US" sz="1600" b="1" dirty="0"/>
           </a:p>
@@ -4470,8 +4420,8 @@
           </a:p>
         </p:txBody>
       </p:sp>
-      <mc:AlternateContent xmlns:mc="http://schemas.openxmlformats.org/markup-compatibility/2006">
-        <mc:Choice xmlns:a14="http://schemas.microsoft.com/office/drawing/2010/main" Requires="a14">
+      <mc:AlternateContent xmlns:mc="http://schemas.openxmlformats.org/markup-compatibility/2006" xmlns:a14="http://schemas.microsoft.com/office/drawing/2010/main">
+        <mc:Choice Requires="a14">
           <p:sp>
             <p:nvSpPr>
               <p:cNvPr id="2" name="TextBox 1"/>
@@ -4571,7 +4521,7 @@
                     <m:f>
                       <m:fPr>
                         <m:ctrlPr>
-                          <a:rPr lang="ko-KR" altLang="en-US" dirty="0" smtClean="0">
+                          <a:rPr lang="ko-KR" altLang="en-US" i="1" dirty="0" smtClean="0">
                             <a:latin typeface="Cambria Math" panose="02040503050406030204" pitchFamily="18" charset="0"/>
                           </a:rPr>
                         </m:ctrlPr>
@@ -4636,7 +4586,7 @@
             </p:txBody>
           </p:sp>
         </mc:Choice>
-        <mc:Fallback>
+        <mc:Fallback xmlns="">
           <p:sp>
             <p:nvSpPr>
               <p:cNvPr id="2" name="TextBox 1"/>
@@ -5115,7 +5065,7 @@
           </a:ln>
           <a:extLst>
             <a:ext uri="{C572A759-6A51-4108-AA02-DFA0A04FC94B}">
-              <ma14:wrappingTextBoxFlag xmlns="" xmlns:m="http://schemas.openxmlformats.org/officeDocument/2006/math" xmlns:a14="http://schemas.microsoft.com/office/drawing/2010/main" xmlns:ma14="http://schemas.microsoft.com/office/mac/drawingml/2011/main" val="1"/>
+              <ma14:wrappingTextBoxFlag xmlns:ma14="http://schemas.microsoft.com/office/mac/drawingml/2011/main" xmlns:a14="http://schemas.microsoft.com/office/drawing/2010/main" xmlns:m="http://schemas.openxmlformats.org/officeDocument/2006/math" xmlns="" val="1"/>
             </a:ext>
           </a:extLst>
         </p:spPr>
@@ -5373,7 +5323,7 @@
           </a:ln>
           <a:extLst>
             <a:ext uri="{C572A759-6A51-4108-AA02-DFA0A04FC94B}">
-              <ma14:wrappingTextBoxFlag xmlns="" xmlns:m="http://schemas.openxmlformats.org/officeDocument/2006/math" xmlns:a14="http://schemas.microsoft.com/office/drawing/2010/main" xmlns:ma14="http://schemas.microsoft.com/office/mac/drawingml/2011/main" val="1"/>
+              <ma14:wrappingTextBoxFlag xmlns:ma14="http://schemas.microsoft.com/office/mac/drawingml/2011/main" xmlns:a14="http://schemas.microsoft.com/office/drawing/2010/main" xmlns:m="http://schemas.openxmlformats.org/officeDocument/2006/math" xmlns="" val="1"/>
             </a:ext>
           </a:extLst>
         </p:spPr>
@@ -6383,40 +6333,29 @@
                 <a:latin typeface="맑은 고딕" panose="020B0503020000020004" pitchFamily="50" charset="-127"/>
                 <a:sym typeface="Helvetica Neue"/>
               </a:rPr>
-              <a:t>현재 </a:t>
+              <a:t>현재 고객별 </a:t>
+            </a:r>
+            <a:r>
+              <a:rPr lang="ko-KR" altLang="en-US" sz="1200" dirty="0" err="1" smtClean="0">
+                <a:latin typeface="맑은 고딕" panose="020B0503020000020004" pitchFamily="50" charset="-127"/>
+                <a:sym typeface="Helvetica Neue"/>
+              </a:rPr>
+              <a:t>재구매율이</a:t>
             </a:r>
             <a:r>
               <a:rPr lang="ko-KR" altLang="en-US" sz="1200" dirty="0" smtClean="0">
                 <a:latin typeface="맑은 고딕" panose="020B0503020000020004" pitchFamily="50" charset="-127"/>
                 <a:sym typeface="Helvetica Neue"/>
               </a:rPr>
-              <a:t>고객별 </a:t>
-            </a:r>
-            <a:r>
-              <a:rPr lang="ko-KR" altLang="en-US" sz="1200" dirty="0" err="1" smtClean="0">
+              <a:t> 높은 상품을 제안하기 위해 다양한 분석을 시도하고 우수한 예측 결과를 도출하는 것을 목표로 함</a:t>
+            </a:r>
+            <a:r>
+              <a:rPr lang="en-US" altLang="ko-KR" sz="1200" dirty="0" smtClean="0">
                 <a:latin typeface="맑은 고딕" panose="020B0503020000020004" pitchFamily="50" charset="-127"/>
                 <a:sym typeface="Helvetica Neue"/>
               </a:rPr>
-              <a:t>재구매율이</a:t>
-            </a:r>
-            <a:r>
-              <a:rPr lang="ko-KR" altLang="en-US" sz="1200" dirty="0" smtClean="0">
-                <a:latin typeface="맑은 고딕" panose="020B0503020000020004" pitchFamily="50" charset="-127"/>
-                <a:sym typeface="Helvetica Neue"/>
-              </a:rPr>
-              <a:t> 높은 상품을 제안하기 위해 다양한 분석을 시도하고 우수한 예측 결과를 도출하는 것을 목표로 함</a:t>
-            </a:r>
-            <a:r>
-              <a:rPr lang="en-US" altLang="ko-KR" sz="1200" dirty="0" smtClean="0">
-                <a:latin typeface="맑은 고딕" panose="020B0503020000020004" pitchFamily="50" charset="-127"/>
-                <a:sym typeface="Helvetica Neue"/>
-              </a:rPr>
               <a:t>.</a:t>
             </a:r>
-            <a:endParaRPr lang="en-US" altLang="ko-KR" sz="1200" dirty="0" smtClean="0">
-              <a:latin typeface="맑은 고딕" panose="020B0503020000020004" pitchFamily="50" charset="-127"/>
-              <a:sym typeface="Helvetica Neue"/>
-            </a:endParaRPr>
           </a:p>
         </p:txBody>
       </p:sp>
@@ -7114,13 +7053,7 @@
               <a:rPr lang="ko-KR" altLang="en-US" sz="1600" b="1" dirty="0" smtClean="0">
                 <a:sym typeface="Helvetica Neue"/>
               </a:rPr>
-              <a:t>데이터 세트 개</a:t>
-            </a:r>
-            <a:r>
-              <a:rPr lang="ko-KR" altLang="en-US" sz="1600" b="1" dirty="0" smtClean="0">
-                <a:sym typeface="Helvetica Neue"/>
-              </a:rPr>
-              <a:t>요</a:t>
+              <a:t>데이터 세트 개요</a:t>
             </a:r>
             <a:endParaRPr lang="ko-KR" altLang="en-US" sz="1600" b="1" dirty="0"/>
           </a:p>
@@ -7261,10 +7194,6 @@
               </a:rPr>
               <a:t>.</a:t>
             </a:r>
-            <a:endParaRPr lang="en-US" altLang="ko-KR" sz="1200" dirty="0" smtClean="0">
-              <a:latin typeface="맑은 고딕" panose="020B0503020000020004" pitchFamily="50" charset="-127"/>
-              <a:sym typeface="Helvetica Neue"/>
-            </a:endParaRPr>
           </a:p>
           <a:p>
             <a:pPr marL="171450" indent="-171450" defTabSz="2438338" latinLnBrk="0" hangingPunct="0">
@@ -7307,14 +7236,7 @@
                 <a:latin typeface="맑은 고딕" panose="020B0503020000020004" pitchFamily="50" charset="-127"/>
                 <a:sym typeface="Helvetica Neue"/>
               </a:rPr>
-              <a:t>구매</a:t>
-            </a:r>
-            <a:r>
-              <a:rPr lang="ko-KR" altLang="en-US" sz="1200" dirty="0" smtClean="0">
-                <a:latin typeface="맑은 고딕" panose="020B0503020000020004" pitchFamily="50" charset="-127"/>
-                <a:sym typeface="Helvetica Neue"/>
-              </a:rPr>
-              <a:t> 요일</a:t>
+              <a:t>구매 요일</a:t>
             </a:r>
             <a:r>
               <a:rPr lang="en-US" altLang="ko-KR" sz="1200" dirty="0">
@@ -17298,7 +17220,6 @@
               <a:rPr lang="ko-KR" altLang="en-US" sz="1400" dirty="0"/>
               <a:t>명 고객들의 과거 구매 이력</a:t>
             </a:r>
-            <a:endParaRPr lang="ko-KR" altLang="en-US" sz="1400" dirty="0"/>
           </a:p>
         </p:txBody>
       </p:sp>
@@ -20268,7 +20189,6 @@
               <a:rPr lang="ko-KR" altLang="en-US" sz="1400" dirty="0"/>
               <a:t>정보</a:t>
             </a:r>
-            <a:endParaRPr lang="ko-KR" altLang="en-US" sz="1400" dirty="0"/>
           </a:p>
         </p:txBody>
       </p:sp>
@@ -23032,7 +22952,7 @@
         </p:blipFill>
         <p:spPr>
           <a:xfrm>
-            <a:off x="1637837" y="2382671"/>
+            <a:off x="819816" y="2839871"/>
             <a:ext cx="6630325" cy="3715268"/>
           </a:xfrm>
           <a:prstGeom prst="rect">
@@ -23048,7 +22968,7 @@
         </p:nvSpPr>
         <p:spPr>
           <a:xfrm>
-            <a:off x="683003" y="2002651"/>
+            <a:off x="532546" y="2438651"/>
             <a:ext cx="4269996" cy="307777"/>
           </a:xfrm>
           <a:prstGeom prst="rect">
@@ -23090,7 +23010,7 @@
         </p:nvCxnSpPr>
         <p:spPr>
           <a:xfrm>
-            <a:off x="3534007" y="3288484"/>
+            <a:off x="1898634" y="3569839"/>
             <a:ext cx="914400" cy="0"/>
           </a:xfrm>
           <a:prstGeom prst="line">
@@ -23126,8 +23046,8 @@
         </p:nvSpPr>
         <p:spPr>
           <a:xfrm>
-            <a:off x="683003" y="1585586"/>
-            <a:ext cx="6506362" cy="307777"/>
+            <a:off x="532546" y="1426635"/>
+            <a:ext cx="8302736" cy="954107"/>
           </a:xfrm>
           <a:prstGeom prst="rect">
             <a:avLst/>
@@ -23146,15 +23066,15 @@
             </a:pPr>
             <a:r>
               <a:rPr lang="ko-KR" altLang="en-US" sz="1400" b="1" dirty="0" smtClean="0"/>
-              <a:t>데이터 세트는 모두 </a:t>
-            </a:r>
-            <a:r>
-              <a:rPr lang="en-US" altLang="ko-KR" sz="1400" b="1" dirty="0" smtClean="0"/>
-              <a:t>l2_extnl </a:t>
+              <a:t>데이터 세트는 </a:t>
             </a:r>
             <a:r>
               <a:rPr lang="ko-KR" altLang="en-US" sz="1400" b="1" dirty="0" smtClean="0"/>
-              <a:t>영역에 저장되어 있음 </a:t>
+              <a:t>아래 영역에 저장되어 </a:t>
+            </a:r>
+            <a:r>
+              <a:rPr lang="ko-KR" altLang="en-US" sz="1400" b="1" dirty="0" smtClean="0"/>
+              <a:t>있음 </a:t>
             </a:r>
             <a:r>
               <a:rPr lang="en-US" altLang="ko-KR" sz="1400" b="1" dirty="0" smtClean="0"/>
@@ -23166,17 +23086,82 @@
             </a:r>
             <a:r>
               <a:rPr lang="en-US" altLang="ko-KR" sz="1400" b="1" dirty="0" smtClean="0"/>
-              <a:t>: L2_EXTNL</a:t>
+              <a:t>: </a:t>
+            </a:r>
+            <a:r>
+              <a:rPr lang="en-US" altLang="ko-KR" sz="1400" b="1" dirty="0" smtClean="0"/>
+              <a:t>l2</a:t>
             </a:r>
             <a:r>
               <a:rPr lang="ko-KR" altLang="en-US" sz="1400" b="1" dirty="0" smtClean="0"/>
-              <a:t>의 소문자</a:t>
+              <a:t>는 </a:t>
+            </a:r>
+            <a:r>
+              <a:rPr lang="en-US" altLang="ko-KR" sz="1400" b="1" dirty="0" smtClean="0"/>
+              <a:t>L2</a:t>
+            </a:r>
+            <a:r>
+              <a:rPr lang="ko-KR" altLang="en-US" sz="1400" b="1" dirty="0" smtClean="0"/>
+              <a:t> </a:t>
+            </a:r>
+            <a:r>
+              <a:rPr lang="ko-KR" altLang="en-US" sz="1400" b="1" dirty="0" smtClean="0"/>
+              <a:t>소문자</a:t>
             </a:r>
             <a:r>
               <a:rPr lang="en-US" altLang="ko-KR" sz="1400" b="1" dirty="0" smtClean="0"/>
               <a:t>)</a:t>
             </a:r>
-            <a:endParaRPr lang="ko-KR" altLang="en-US" sz="1400" dirty="0"/>
+          </a:p>
+          <a:p>
+            <a:pPr marL="742950" lvl="1" indent="-285750">
+              <a:buFont typeface="Arial" panose="020B0604020202020204" pitchFamily="34" charset="0"/>
+              <a:buChar char="•"/>
+            </a:pPr>
+            <a:r>
+              <a:rPr lang="ko-KR" altLang="en-US" sz="1400" dirty="0" smtClean="0"/>
+              <a:t>전북은행         </a:t>
+            </a:r>
+            <a:r>
+              <a:rPr lang="en-US" altLang="ko-KR" sz="1400" dirty="0" smtClean="0"/>
+              <a:t>: l2_jbbk_extnl</a:t>
+            </a:r>
+          </a:p>
+          <a:p>
+            <a:pPr marL="742950" lvl="1" indent="-285750">
+              <a:buFont typeface="Arial" panose="020B0604020202020204" pitchFamily="34" charset="0"/>
+              <a:buChar char="•"/>
+            </a:pPr>
+            <a:r>
+              <a:rPr lang="ko-KR" altLang="en-US" sz="1400" dirty="0" smtClean="0"/>
+              <a:t>광주은행         </a:t>
+            </a:r>
+            <a:r>
+              <a:rPr lang="en-US" altLang="ko-KR" sz="1400" dirty="0" smtClean="0"/>
+              <a:t>: l2_kjbk_extnl</a:t>
+            </a:r>
+          </a:p>
+          <a:p>
+            <a:pPr marL="742950" lvl="1" indent="-285750">
+              <a:buFont typeface="Arial" panose="020B0604020202020204" pitchFamily="34" charset="0"/>
+              <a:buChar char="•"/>
+            </a:pPr>
+            <a:r>
+              <a:rPr lang="en-US" altLang="ko-KR" sz="1400" dirty="0" smtClean="0"/>
+              <a:t>JB</a:t>
+            </a:r>
+            <a:r>
+              <a:rPr lang="ko-KR" altLang="en-US" sz="1400" dirty="0" err="1" smtClean="0"/>
+              <a:t>우리캐피탈</a:t>
+            </a:r>
+            <a:r>
+              <a:rPr lang="ko-KR" altLang="en-US" sz="1400" dirty="0" smtClean="0"/>
+              <a:t> </a:t>
+            </a:r>
+            <a:r>
+              <a:rPr lang="en-US" altLang="ko-KR" sz="1400" dirty="0" smtClean="0"/>
+              <a:t>: l2_jbwc_extnl</a:t>
+            </a:r>
           </a:p>
         </p:txBody>
       </p:sp>
